--- a/Ehly_Goodwin_Case_Study_1_Final_DS6306_tu630p.pptx
+++ b/Ehly_Goodwin_Case_Study_1_Final_DS6306_tu630p.pptx
@@ -5,7 +5,7 @@
     <p:sldMasterId id="2147483660" r:id="rId1"/>
   </p:sldMasterIdLst>
   <p:notesMasterIdLst>
-    <p:notesMasterId r:id="rId22"/>
+    <p:notesMasterId r:id="rId21"/>
   </p:notesMasterIdLst>
   <p:sldIdLst>
     <p:sldId id="256" r:id="rId2"/>
@@ -19,15 +19,14 @@
     <p:sldId id="260" r:id="rId10"/>
     <p:sldId id="261" r:id="rId11"/>
     <p:sldId id="264" r:id="rId12"/>
-    <p:sldId id="266" r:id="rId13"/>
-    <p:sldId id="268" r:id="rId14"/>
-    <p:sldId id="263" r:id="rId15"/>
-    <p:sldId id="267" r:id="rId16"/>
-    <p:sldId id="269" r:id="rId17"/>
-    <p:sldId id="275" r:id="rId18"/>
-    <p:sldId id="274" r:id="rId19"/>
-    <p:sldId id="282" r:id="rId20"/>
-    <p:sldId id="276" r:id="rId21"/>
+    <p:sldId id="268" r:id="rId13"/>
+    <p:sldId id="263" r:id="rId14"/>
+    <p:sldId id="267" r:id="rId15"/>
+    <p:sldId id="269" r:id="rId16"/>
+    <p:sldId id="275" r:id="rId17"/>
+    <p:sldId id="274" r:id="rId18"/>
+    <p:sldId id="282" r:id="rId19"/>
+    <p:sldId id="276" r:id="rId20"/>
   </p:sldIdLst>
   <p:sldSz cx="12192000" cy="6858000"/>
   <p:notesSz cx="6858000" cy="9144000"/>
@@ -3239,348 +3238,6 @@
           <a:chExt cx="0" cy="0"/>
         </a:xfrm>
       </p:grpSpPr>
-      <p:pic>
-        <p:nvPicPr>
-          <p:cNvPr id="9" name="Picture 8" descr="Chart, scatter chart&#10;&#10;Description automatically generated">
-            <a:extLst>
-              <a:ext uri="{FF2B5EF4-FFF2-40B4-BE49-F238E27FC236}">
-                <a16:creationId xmlns:a16="http://schemas.microsoft.com/office/drawing/2014/main" id="{37970F39-81F4-554F-9696-AB9D21E41400}"/>
-              </a:ext>
-            </a:extLst>
-          </p:cNvPr>
-          <p:cNvPicPr>
-            <a:picLocks noChangeAspect="1"/>
-          </p:cNvPicPr>
-          <p:nvPr/>
-        </p:nvPicPr>
-        <p:blipFill>
-          <a:blip r:embed="rId2">
-            <a:extLst>
-              <a:ext uri="{28A0092B-C50C-407E-A947-70E740481C1C}">
-                <a14:useLocalDpi xmlns:a14="http://schemas.microsoft.com/office/drawing/2010/main" val="0"/>
-              </a:ext>
-            </a:extLst>
-          </a:blip>
-          <a:stretch>
-            <a:fillRect/>
-          </a:stretch>
-        </p:blipFill>
-        <p:spPr>
-          <a:xfrm>
-            <a:off x="5180464" y="969693"/>
-            <a:ext cx="6773838" cy="4077456"/>
-          </a:xfrm>
-          <a:prstGeom prst="rect">
-            <a:avLst/>
-          </a:prstGeom>
-        </p:spPr>
-      </p:pic>
-      <p:sp>
-        <p:nvSpPr>
-          <p:cNvPr id="2" name="Title 1">
-            <a:extLst>
-              <a:ext uri="{FF2B5EF4-FFF2-40B4-BE49-F238E27FC236}">
-                <a16:creationId xmlns:a16="http://schemas.microsoft.com/office/drawing/2014/main" id="{58723070-8C48-47AF-97B6-C52E438EE5BC}"/>
-              </a:ext>
-            </a:extLst>
-          </p:cNvPr>
-          <p:cNvSpPr>
-            <a:spLocks noGrp="1"/>
-          </p:cNvSpPr>
-          <p:nvPr>
-            <p:ph type="title"/>
-          </p:nvPr>
-        </p:nvSpPr>
-        <p:spPr/>
-        <p:txBody>
-          <a:bodyPr/>
-          <a:lstStyle/>
-          <a:p>
-            <a:r>
-              <a:rPr lang="en-US" dirty="0"/>
-              <a:t>Median ABV vs Median IBU – Does a relationship exist</a:t>
-            </a:r>
-          </a:p>
-        </p:txBody>
-      </p:sp>
-      <p:sp>
-        <p:nvSpPr>
-          <p:cNvPr id="3" name="Content Placeholder 2">
-            <a:extLst>
-              <a:ext uri="{FF2B5EF4-FFF2-40B4-BE49-F238E27FC236}">
-                <a16:creationId xmlns:a16="http://schemas.microsoft.com/office/drawing/2014/main" id="{1574EA1F-099A-42F0-9215-C1E9E28C9A89}"/>
-              </a:ext>
-            </a:extLst>
-          </p:cNvPr>
-          <p:cNvSpPr>
-            <a:spLocks noGrp="1"/>
-          </p:cNvSpPr>
-          <p:nvPr>
-            <p:ph idx="1"/>
-          </p:nvPr>
-        </p:nvSpPr>
-        <p:spPr>
-          <a:xfrm>
-            <a:off x="237698" y="969692"/>
-            <a:ext cx="4780351" cy="4680481"/>
-          </a:xfrm>
-        </p:spPr>
-        <p:txBody>
-          <a:bodyPr>
-            <a:normAutofit lnSpcReduction="10000"/>
-          </a:bodyPr>
-          <a:lstStyle/>
-          <a:p>
-            <a:r>
-              <a:rPr lang="en-US" sz="1900" dirty="0"/>
-              <a:t>Visually positive relationship between IBU vs  AVB across all beers</a:t>
-            </a:r>
-          </a:p>
-          <a:p>
-            <a:r>
-              <a:rPr lang="en-US" sz="1900" dirty="0"/>
-              <a:t>Overall median IBU = 33.9 </a:t>
-            </a:r>
-          </a:p>
-          <a:p>
-            <a:r>
-              <a:rPr lang="en-US" sz="1900" dirty="0"/>
-              <a:t>Overall median ABV =  5.6% </a:t>
-            </a:r>
-          </a:p>
-          <a:p>
-            <a:endParaRPr lang="en-US" sz="1900" dirty="0"/>
-          </a:p>
-          <a:p>
-            <a:pPr marL="0" indent="0">
-              <a:buNone/>
-            </a:pPr>
-            <a:r>
-              <a:rPr lang="en-US" sz="1900" dirty="0"/>
-              <a:t>What does this relationship tell us?</a:t>
-            </a:r>
-          </a:p>
-          <a:p>
-            <a:r>
-              <a:rPr lang="en-US" sz="1900" dirty="0"/>
-              <a:t>IBU can be used to interpolate and estimate ABV of a given beer solely based on IBU.</a:t>
-            </a:r>
-          </a:p>
-          <a:p>
-            <a:r>
-              <a:rPr lang="en-US" sz="1900" dirty="0"/>
-              <a:t>We can develop a model and make predictions based on historical IBU and ABV data</a:t>
-            </a:r>
-          </a:p>
-          <a:p>
-            <a:pPr lvl="1"/>
-            <a:r>
-              <a:rPr lang="en-US" sz="1900" dirty="0"/>
-              <a:t>Example, predicted ABV of a beer with 32 IBU</a:t>
-            </a:r>
-          </a:p>
-          <a:p>
-            <a:pPr lvl="2"/>
-            <a:r>
-              <a:rPr lang="en-US" sz="1900" dirty="0"/>
-              <a:t>Predicted ABV of 5.72% (97.5% CI: 3.24,8.21)</a:t>
-            </a:r>
-          </a:p>
-          <a:p>
-            <a:endParaRPr lang="en-US" sz="1900" dirty="0"/>
-          </a:p>
-          <a:p>
-            <a:endParaRPr lang="en-US" sz="1900" dirty="0"/>
-          </a:p>
-          <a:p>
-            <a:endParaRPr lang="en-US" sz="1900" dirty="0"/>
-          </a:p>
-          <a:p>
-            <a:endParaRPr lang="en-US" dirty="0"/>
-          </a:p>
-          <a:p>
-            <a:endParaRPr lang="en-US" dirty="0"/>
-          </a:p>
-          <a:p>
-            <a:endParaRPr lang="en-US" dirty="0"/>
-          </a:p>
-          <a:p>
-            <a:endParaRPr lang="en-US" dirty="0"/>
-          </a:p>
-        </p:txBody>
-      </p:sp>
-      <p:sp>
-        <p:nvSpPr>
-          <p:cNvPr id="4" name="Footer Placeholder 3">
-            <a:extLst>
-              <a:ext uri="{FF2B5EF4-FFF2-40B4-BE49-F238E27FC236}">
-                <a16:creationId xmlns:a16="http://schemas.microsoft.com/office/drawing/2014/main" id="{ECB89936-3C43-4A02-881C-2C31CD089B84}"/>
-              </a:ext>
-            </a:extLst>
-          </p:cNvPr>
-          <p:cNvSpPr>
-            <a:spLocks noGrp="1"/>
-          </p:cNvSpPr>
-          <p:nvPr>
-            <p:ph type="ftr" sz="quarter" idx="11"/>
-          </p:nvPr>
-        </p:nvSpPr>
-        <p:spPr/>
-        <p:txBody>
-          <a:bodyPr/>
-          <a:lstStyle/>
-          <a:p>
-            <a:r>
-              <a:rPr lang="en-US" dirty="0"/>
-              <a:t>Ben Goodwin &amp; Justin Ehly, MS6306, Tuesday 630p</a:t>
-            </a:r>
-          </a:p>
-        </p:txBody>
-      </p:sp>
-      <p:sp>
-        <p:nvSpPr>
-          <p:cNvPr id="11" name="TextBox 10">
-            <a:extLst>
-              <a:ext uri="{FF2B5EF4-FFF2-40B4-BE49-F238E27FC236}">
-                <a16:creationId xmlns:a16="http://schemas.microsoft.com/office/drawing/2014/main" id="{253ECD22-2C96-B841-B8A8-89BACBBCB0B2}"/>
-              </a:ext>
-            </a:extLst>
-          </p:cNvPr>
-          <p:cNvSpPr txBox="1"/>
-          <p:nvPr/>
-        </p:nvSpPr>
-        <p:spPr>
-          <a:xfrm>
-            <a:off x="382137" y="5650173"/>
-            <a:ext cx="9444251" cy="584775"/>
-          </a:xfrm>
-          <a:prstGeom prst="rect">
-            <a:avLst/>
-          </a:prstGeom>
-          <a:noFill/>
-        </p:spPr>
-        <p:txBody>
-          <a:bodyPr wrap="square" rtlCol="0">
-            <a:spAutoFit/>
-          </a:bodyPr>
-          <a:lstStyle/>
-          <a:p>
-            <a:r>
-              <a:rPr lang="en-US" sz="800" i="1" dirty="0">
-                <a:solidFill>
-                  <a:srgbClr val="FF0000"/>
-                </a:solidFill>
-              </a:rPr>
-              <a:t>Note: </a:t>
-            </a:r>
-          </a:p>
-          <a:p>
-            <a:r>
-              <a:rPr lang="en-US" sz="800" dirty="0">
-                <a:solidFill>
-                  <a:srgbClr val="FF0000"/>
-                </a:solidFill>
-              </a:rPr>
-              <a:t>West Virginia: ABV is 0.05% - 12.0% ABV for all malt based beverages </a:t>
-            </a:r>
-            <a:r>
-              <a:rPr lang="en-US" sz="800" i="1" dirty="0">
-                <a:solidFill>
-                  <a:srgbClr val="FF0000"/>
-                </a:solidFill>
-              </a:rPr>
-              <a:t>(</a:t>
-            </a:r>
-            <a:r>
-              <a:rPr lang="en-US" sz="800" i="1" dirty="0" err="1">
-                <a:solidFill>
-                  <a:srgbClr val="FF0000"/>
-                </a:solidFill>
-              </a:rPr>
-              <a:t>SOURCE:https</a:t>
-            </a:r>
-            <a:r>
-              <a:rPr lang="en-US" sz="800" i="1" dirty="0">
-                <a:solidFill>
-                  <a:srgbClr val="FF0000"/>
-                </a:solidFill>
-              </a:rPr>
-              <a:t>://en.wikipedia.org/wiki/</a:t>
-            </a:r>
-            <a:r>
-              <a:rPr lang="en-US" sz="800" i="1" dirty="0" err="1">
-                <a:solidFill>
-                  <a:srgbClr val="FF0000"/>
-                </a:solidFill>
-              </a:rPr>
-              <a:t>Alcohol_laws_of_West_VirginiaRaising_the_ABV%_Cap</a:t>
-            </a:r>
-            <a:r>
-              <a:rPr lang="en-US" sz="800" i="1" dirty="0">
-                <a:solidFill>
-                  <a:srgbClr val="FF0000"/>
-                </a:solidFill>
-              </a:rPr>
-              <a:t>)</a:t>
-            </a:r>
-          </a:p>
-          <a:p>
-            <a:r>
-              <a:rPr lang="en-US" sz="800" dirty="0">
-                <a:solidFill>
-                  <a:srgbClr val="FF0000"/>
-                </a:solidFill>
-              </a:rPr>
-              <a:t>Utah: Max ABV is 4%, or 3.2 percent by weight for beer. </a:t>
-            </a:r>
-            <a:r>
-              <a:rPr lang="en-US" sz="800" i="1" dirty="0">
-                <a:solidFill>
-                  <a:srgbClr val="FF0000"/>
-                </a:solidFill>
-              </a:rPr>
-              <a:t>(SOURCE: https://utah.com/state-liquor-laws:~:text=The%20maximum%20alcohol%20content%20is,state%20liquor%20stores%20throughout%20Utah.)</a:t>
-            </a:r>
-          </a:p>
-          <a:p>
-            <a:endParaRPr lang="en-US" sz="800" dirty="0">
-              <a:solidFill>
-                <a:srgbClr val="FF0000"/>
-              </a:solidFill>
-            </a:endParaRPr>
-          </a:p>
-        </p:txBody>
-      </p:sp>
-    </p:spTree>
-    <p:extLst>
-      <p:ext uri="{BB962C8B-B14F-4D97-AF65-F5344CB8AC3E}">
-        <p14:creationId xmlns:p14="http://schemas.microsoft.com/office/powerpoint/2010/main" val="4205170179"/>
-      </p:ext>
-    </p:extLst>
-  </p:cSld>
-  <p:clrMapOvr>
-    <a:masterClrMapping/>
-  </p:clrMapOvr>
-</p:sld>
-</file>
-
-<file path=ppt/slides/slide13.xml><?xml version="1.0" encoding="utf-8"?>
-<p:sld xmlns:a="http://schemas.openxmlformats.org/drawingml/2006/main" xmlns:r="http://schemas.openxmlformats.org/officeDocument/2006/relationships" xmlns:p="http://schemas.openxmlformats.org/presentationml/2006/main">
-  <p:cSld>
-    <p:spTree>
-      <p:nvGrpSpPr>
-        <p:cNvPr id="1" name=""/>
-        <p:cNvGrpSpPr/>
-        <p:nvPr/>
-      </p:nvGrpSpPr>
-      <p:grpSpPr>
-        <a:xfrm>
-          <a:off x="0" y="0"/>
-          <a:ext cx="0" cy="0"/>
-          <a:chOff x="0" y="0"/>
-          <a:chExt cx="0" cy="0"/>
-        </a:xfrm>
-      </p:grpSpPr>
       <p:sp>
         <p:nvSpPr>
           <p:cNvPr id="3" name="Content Placeholder 2">
@@ -3945,7 +3602,7 @@
 </p:sld>
 </file>
 
-<file path=ppt/slides/slide14.xml><?xml version="1.0" encoding="utf-8"?>
+<file path=ppt/slides/slide13.xml><?xml version="1.0" encoding="utf-8"?>
 <p:sld xmlns:a="http://schemas.openxmlformats.org/drawingml/2006/main" xmlns:r="http://schemas.openxmlformats.org/officeDocument/2006/relationships" xmlns:p="http://schemas.openxmlformats.org/presentationml/2006/main">
   <p:cSld>
     <p:spTree>
@@ -4745,7 +4402,7 @@
 </p:sld>
 </file>
 
-<file path=ppt/slides/slide15.xml><?xml version="1.0" encoding="utf-8"?>
+<file path=ppt/slides/slide14.xml><?xml version="1.0" encoding="utf-8"?>
 <p:sld xmlns:a="http://schemas.openxmlformats.org/drawingml/2006/main" xmlns:r="http://schemas.openxmlformats.org/officeDocument/2006/relationships" xmlns:p="http://schemas.openxmlformats.org/presentationml/2006/main">
   <p:cSld>
     <p:spTree>
@@ -4921,7 +4578,7 @@
 </p:sld>
 </file>
 
-<file path=ppt/slides/slide16.xml><?xml version="1.0" encoding="utf-8"?>
+<file path=ppt/slides/slide15.xml><?xml version="1.0" encoding="utf-8"?>
 <p:sld xmlns:a="http://schemas.openxmlformats.org/drawingml/2006/main" xmlns:r="http://schemas.openxmlformats.org/officeDocument/2006/relationships" xmlns:p="http://schemas.openxmlformats.org/presentationml/2006/main">
   <p:cSld>
     <p:spTree>
@@ -5473,7 +5130,7 @@
 </p:sld>
 </file>
 
-<file path=ppt/slides/slide17.xml><?xml version="1.0" encoding="utf-8"?>
+<file path=ppt/slides/slide16.xml><?xml version="1.0" encoding="utf-8"?>
 <p:sld xmlns:a="http://schemas.openxmlformats.org/drawingml/2006/main" xmlns:r="http://schemas.openxmlformats.org/officeDocument/2006/relationships" xmlns:p="http://schemas.openxmlformats.org/presentationml/2006/main">
   <p:cSld>
     <p:spTree>
@@ -6116,7 +5773,7 @@
 </p:sld>
 </file>
 
-<file path=ppt/slides/slide18.xml><?xml version="1.0" encoding="utf-8"?>
+<file path=ppt/slides/slide17.xml><?xml version="1.0" encoding="utf-8"?>
 <p:sld xmlns:a="http://schemas.openxmlformats.org/drawingml/2006/main" xmlns:r="http://schemas.openxmlformats.org/officeDocument/2006/relationships" xmlns:p="http://schemas.openxmlformats.org/presentationml/2006/main">
   <p:cSld>
     <p:spTree>
@@ -7748,7 +7405,7 @@
 </p:sld>
 </file>
 
-<file path=ppt/slides/slide19.xml><?xml version="1.0" encoding="utf-8"?>
+<file path=ppt/slides/slide18.xml><?xml version="1.0" encoding="utf-8"?>
 <p:sld xmlns:a="http://schemas.openxmlformats.org/drawingml/2006/main" xmlns:r="http://schemas.openxmlformats.org/officeDocument/2006/relationships" xmlns:p="http://schemas.openxmlformats.org/presentationml/2006/main">
   <p:cSld>
     <p:spTree>
@@ -9013,7 +8670,7 @@
 </p:sld>
 </file>
 
-<file path=ppt/slides/slide2.xml><?xml version="1.0" encoding="utf-8"?>
+<file path=ppt/slides/slide19.xml><?xml version="1.0" encoding="utf-8"?>
 <p:sld xmlns:a="http://schemas.openxmlformats.org/drawingml/2006/main" xmlns:r="http://schemas.openxmlformats.org/officeDocument/2006/relationships" xmlns:p="http://schemas.openxmlformats.org/presentationml/2006/main">
   <p:cSld>
     <p:spTree>
@@ -9035,201 +8692,6 @@
           <p:cNvPr id="2" name="Title 1">
             <a:extLst>
               <a:ext uri="{FF2B5EF4-FFF2-40B4-BE49-F238E27FC236}">
-                <a16:creationId xmlns:a16="http://schemas.microsoft.com/office/drawing/2014/main" id="{24DDEAB3-786D-469B-8E58-614852D4E4DC}"/>
-              </a:ext>
-            </a:extLst>
-          </p:cNvPr>
-          <p:cNvSpPr>
-            <a:spLocks noGrp="1"/>
-          </p:cNvSpPr>
-          <p:nvPr>
-            <p:ph type="title"/>
-          </p:nvPr>
-        </p:nvSpPr>
-        <p:spPr/>
-        <p:txBody>
-          <a:bodyPr/>
-          <a:lstStyle/>
-          <a:p>
-            <a:r>
-              <a:rPr lang="en-US" dirty="0"/>
-              <a:t>Analysis Questions</a:t>
-            </a:r>
-          </a:p>
-        </p:txBody>
-      </p:sp>
-      <p:sp>
-        <p:nvSpPr>
-          <p:cNvPr id="3" name="Content Placeholder 2">
-            <a:extLst>
-              <a:ext uri="{FF2B5EF4-FFF2-40B4-BE49-F238E27FC236}">
-                <a16:creationId xmlns:a16="http://schemas.microsoft.com/office/drawing/2014/main" id="{4E095346-9296-4DD8-9B89-2CAE323C2180}"/>
-              </a:ext>
-            </a:extLst>
-          </p:cNvPr>
-          <p:cNvSpPr>
-            <a:spLocks noGrp="1"/>
-          </p:cNvSpPr>
-          <p:nvPr>
-            <p:ph idx="1"/>
-          </p:nvPr>
-        </p:nvSpPr>
-        <p:spPr>
-          <a:xfrm>
-            <a:off x="838200" y="1258349"/>
-            <a:ext cx="11353800" cy="4918614"/>
-          </a:xfrm>
-        </p:spPr>
-        <p:txBody>
-          <a:bodyPr>
-            <a:normAutofit/>
-          </a:bodyPr>
-          <a:lstStyle/>
-          <a:p>
-            <a:pPr marL="342900" indent="-342900">
-              <a:buFont typeface="+mj-lt"/>
-              <a:buAutoNum type="arabicPeriod"/>
-            </a:pPr>
-            <a:r>
-              <a:rPr lang="en-US" sz="2400" dirty="0"/>
-              <a:t>How many breweries are present in each state?</a:t>
-            </a:r>
-          </a:p>
-          <a:p>
-            <a:pPr marL="342900" indent="-342900">
-              <a:buFont typeface="+mj-lt"/>
-              <a:buAutoNum type="arabicPeriod"/>
-            </a:pPr>
-            <a:r>
-              <a:rPr lang="en-US" sz="2400" dirty="0"/>
-              <a:t>Why are there missing values?</a:t>
-            </a:r>
-          </a:p>
-          <a:p>
-            <a:pPr marL="342900" indent="-342900">
-              <a:buFont typeface="+mj-lt"/>
-              <a:buAutoNum type="arabicPeriod"/>
-            </a:pPr>
-            <a:r>
-              <a:rPr lang="en-US" sz="2400" dirty="0"/>
-              <a:t>What is the median ABV and IBU for each state?</a:t>
-            </a:r>
-          </a:p>
-          <a:p>
-            <a:pPr marL="342900" indent="-342900">
-              <a:buFont typeface="+mj-lt"/>
-              <a:buAutoNum type="arabicPeriod"/>
-            </a:pPr>
-            <a:r>
-              <a:rPr lang="en-US" sz="2400" dirty="0"/>
-              <a:t>Which state(s) has the highest ABV and which state(s) has the highest IBU values?</a:t>
-            </a:r>
-          </a:p>
-          <a:p>
-            <a:pPr marL="342900" indent="-342900">
-              <a:buFont typeface="+mj-lt"/>
-              <a:buAutoNum type="arabicPeriod"/>
-            </a:pPr>
-            <a:r>
-              <a:rPr lang="en-US" sz="2400" dirty="0"/>
-              <a:t>Provide summary statistics and distribution of ABV.</a:t>
-            </a:r>
-          </a:p>
-          <a:p>
-            <a:pPr marL="342900" indent="-342900">
-              <a:buFont typeface="+mj-lt"/>
-              <a:buAutoNum type="arabicPeriod"/>
-            </a:pPr>
-            <a:r>
-              <a:rPr lang="en-US" sz="2400" dirty="0"/>
-              <a:t>Is there a relationship between the bitterness of the beer and its alcoholic content?</a:t>
-            </a:r>
-          </a:p>
-          <a:p>
-            <a:pPr marL="342900" indent="-342900">
-              <a:buFont typeface="+mj-lt"/>
-              <a:buAutoNum type="arabicPeriod"/>
-            </a:pPr>
-            <a:r>
-              <a:rPr lang="en-US" sz="2400" dirty="0"/>
-              <a:t>Is there a difference between IPA’s and Ale’s?</a:t>
-            </a:r>
-          </a:p>
-          <a:p>
-            <a:pPr marL="342900" indent="-342900">
-              <a:buFont typeface="+mj-lt"/>
-              <a:buAutoNum type="arabicPeriod"/>
-            </a:pPr>
-            <a:r>
-              <a:rPr lang="en-US" sz="2400" dirty="0"/>
-              <a:t>Possible opportunities to grow the Budweiser brand.</a:t>
-            </a:r>
-          </a:p>
-        </p:txBody>
-      </p:sp>
-      <p:sp>
-        <p:nvSpPr>
-          <p:cNvPr id="4" name="Footer Placeholder 3">
-            <a:extLst>
-              <a:ext uri="{FF2B5EF4-FFF2-40B4-BE49-F238E27FC236}">
-                <a16:creationId xmlns:a16="http://schemas.microsoft.com/office/drawing/2014/main" id="{FA7780C6-0FB0-4075-9DE4-657D4DAD7905}"/>
-              </a:ext>
-            </a:extLst>
-          </p:cNvPr>
-          <p:cNvSpPr>
-            <a:spLocks noGrp="1"/>
-          </p:cNvSpPr>
-          <p:nvPr>
-            <p:ph type="ftr" sz="quarter" idx="11"/>
-          </p:nvPr>
-        </p:nvSpPr>
-        <p:spPr/>
-        <p:txBody>
-          <a:bodyPr/>
-          <a:lstStyle/>
-          <a:p>
-            <a:r>
-              <a:rPr lang="en-US" dirty="0"/>
-              <a:t>Ben Goodwin &amp; Justin Ehly, MS6306, Tuesday 630p</a:t>
-            </a:r>
-          </a:p>
-        </p:txBody>
-      </p:sp>
-    </p:spTree>
-    <p:extLst>
-      <p:ext uri="{BB962C8B-B14F-4D97-AF65-F5344CB8AC3E}">
-        <p14:creationId xmlns:p14="http://schemas.microsoft.com/office/powerpoint/2010/main" val="3103091832"/>
-      </p:ext>
-    </p:extLst>
-  </p:cSld>
-  <p:clrMapOvr>
-    <a:masterClrMapping/>
-  </p:clrMapOvr>
-</p:sld>
-</file>
-
-<file path=ppt/slides/slide20.xml><?xml version="1.0" encoding="utf-8"?>
-<p:sld xmlns:a="http://schemas.openxmlformats.org/drawingml/2006/main" xmlns:r="http://schemas.openxmlformats.org/officeDocument/2006/relationships" xmlns:p="http://schemas.openxmlformats.org/presentationml/2006/main">
-  <p:cSld>
-    <p:spTree>
-      <p:nvGrpSpPr>
-        <p:cNvPr id="1" name=""/>
-        <p:cNvGrpSpPr/>
-        <p:nvPr/>
-      </p:nvGrpSpPr>
-      <p:grpSpPr>
-        <a:xfrm>
-          <a:off x="0" y="0"/>
-          <a:ext cx="0" cy="0"/>
-          <a:chOff x="0" y="0"/>
-          <a:chExt cx="0" cy="0"/>
-        </a:xfrm>
-      </p:grpSpPr>
-      <p:sp>
-        <p:nvSpPr>
-          <p:cNvPr id="2" name="Title 1">
-            <a:extLst>
-              <a:ext uri="{FF2B5EF4-FFF2-40B4-BE49-F238E27FC236}">
                 <a16:creationId xmlns:a16="http://schemas.microsoft.com/office/drawing/2014/main" id="{A1AC4C38-B98F-40E5-BB84-F8272C6CDDA5}"/>
               </a:ext>
             </a:extLst>
@@ -9365,7 +8827,7 @@
           <a:p>
             <a:r>
               <a:rPr lang="en-US" dirty="0"/>
-              <a:t>Highest Median IBU’s: De (59.8)/ E. S. Central Div. (38.6)</a:t>
+              <a:t>Highest Median IBU’s: DE (59.8)/ E. S. Central Div. (38.6)</a:t>
             </a:r>
           </a:p>
           <a:p>
@@ -9486,6 +8948,201 @@
     <p:extLst>
       <p:ext uri="{BB962C8B-B14F-4D97-AF65-F5344CB8AC3E}">
         <p14:creationId xmlns:p14="http://schemas.microsoft.com/office/powerpoint/2010/main" val="4072798611"/>
+      </p:ext>
+    </p:extLst>
+  </p:cSld>
+  <p:clrMapOvr>
+    <a:masterClrMapping/>
+  </p:clrMapOvr>
+</p:sld>
+</file>
+
+<file path=ppt/slides/slide2.xml><?xml version="1.0" encoding="utf-8"?>
+<p:sld xmlns:a="http://schemas.openxmlformats.org/drawingml/2006/main" xmlns:r="http://schemas.openxmlformats.org/officeDocument/2006/relationships" xmlns:p="http://schemas.openxmlformats.org/presentationml/2006/main">
+  <p:cSld>
+    <p:spTree>
+      <p:nvGrpSpPr>
+        <p:cNvPr id="1" name=""/>
+        <p:cNvGrpSpPr/>
+        <p:nvPr/>
+      </p:nvGrpSpPr>
+      <p:grpSpPr>
+        <a:xfrm>
+          <a:off x="0" y="0"/>
+          <a:ext cx="0" cy="0"/>
+          <a:chOff x="0" y="0"/>
+          <a:chExt cx="0" cy="0"/>
+        </a:xfrm>
+      </p:grpSpPr>
+      <p:sp>
+        <p:nvSpPr>
+          <p:cNvPr id="2" name="Title 1">
+            <a:extLst>
+              <a:ext uri="{FF2B5EF4-FFF2-40B4-BE49-F238E27FC236}">
+                <a16:creationId xmlns:a16="http://schemas.microsoft.com/office/drawing/2014/main" id="{24DDEAB3-786D-469B-8E58-614852D4E4DC}"/>
+              </a:ext>
+            </a:extLst>
+          </p:cNvPr>
+          <p:cNvSpPr>
+            <a:spLocks noGrp="1"/>
+          </p:cNvSpPr>
+          <p:nvPr>
+            <p:ph type="title"/>
+          </p:nvPr>
+        </p:nvSpPr>
+        <p:spPr/>
+        <p:txBody>
+          <a:bodyPr/>
+          <a:lstStyle/>
+          <a:p>
+            <a:r>
+              <a:rPr lang="en-US" dirty="0"/>
+              <a:t>Analysis Questions</a:t>
+            </a:r>
+          </a:p>
+        </p:txBody>
+      </p:sp>
+      <p:sp>
+        <p:nvSpPr>
+          <p:cNvPr id="3" name="Content Placeholder 2">
+            <a:extLst>
+              <a:ext uri="{FF2B5EF4-FFF2-40B4-BE49-F238E27FC236}">
+                <a16:creationId xmlns:a16="http://schemas.microsoft.com/office/drawing/2014/main" id="{4E095346-9296-4DD8-9B89-2CAE323C2180}"/>
+              </a:ext>
+            </a:extLst>
+          </p:cNvPr>
+          <p:cNvSpPr>
+            <a:spLocks noGrp="1"/>
+          </p:cNvSpPr>
+          <p:nvPr>
+            <p:ph idx="1"/>
+          </p:nvPr>
+        </p:nvSpPr>
+        <p:spPr>
+          <a:xfrm>
+            <a:off x="838200" y="1258349"/>
+            <a:ext cx="11353800" cy="4918614"/>
+          </a:xfrm>
+        </p:spPr>
+        <p:txBody>
+          <a:bodyPr>
+            <a:normAutofit/>
+          </a:bodyPr>
+          <a:lstStyle/>
+          <a:p>
+            <a:pPr marL="342900" indent="-342900">
+              <a:buFont typeface="+mj-lt"/>
+              <a:buAutoNum type="arabicPeriod"/>
+            </a:pPr>
+            <a:r>
+              <a:rPr lang="en-US" sz="2400" dirty="0"/>
+              <a:t>How many breweries are present in each state?</a:t>
+            </a:r>
+          </a:p>
+          <a:p>
+            <a:pPr marL="342900" indent="-342900">
+              <a:buFont typeface="+mj-lt"/>
+              <a:buAutoNum type="arabicPeriod"/>
+            </a:pPr>
+            <a:r>
+              <a:rPr lang="en-US" sz="2400" dirty="0"/>
+              <a:t>Why are there missing values?</a:t>
+            </a:r>
+          </a:p>
+          <a:p>
+            <a:pPr marL="342900" indent="-342900">
+              <a:buFont typeface="+mj-lt"/>
+              <a:buAutoNum type="arabicPeriod"/>
+            </a:pPr>
+            <a:r>
+              <a:rPr lang="en-US" sz="2400" dirty="0"/>
+              <a:t>What is the median ABV and IBU for each state?</a:t>
+            </a:r>
+          </a:p>
+          <a:p>
+            <a:pPr marL="342900" indent="-342900">
+              <a:buFont typeface="+mj-lt"/>
+              <a:buAutoNum type="arabicPeriod"/>
+            </a:pPr>
+            <a:r>
+              <a:rPr lang="en-US" sz="2400" dirty="0"/>
+              <a:t>Which state(s) has the highest ABV and which state(s) has the highest IBU values?</a:t>
+            </a:r>
+          </a:p>
+          <a:p>
+            <a:pPr marL="342900" indent="-342900">
+              <a:buFont typeface="+mj-lt"/>
+              <a:buAutoNum type="arabicPeriod"/>
+            </a:pPr>
+            <a:r>
+              <a:rPr lang="en-US" sz="2400" dirty="0"/>
+              <a:t>Provide summary statistics and distribution of ABV.</a:t>
+            </a:r>
+          </a:p>
+          <a:p>
+            <a:pPr marL="342900" indent="-342900">
+              <a:buFont typeface="+mj-lt"/>
+              <a:buAutoNum type="arabicPeriod"/>
+            </a:pPr>
+            <a:r>
+              <a:rPr lang="en-US" sz="2400" dirty="0"/>
+              <a:t>Is there a relationship between the bitterness of the beer and its alcoholic content?</a:t>
+            </a:r>
+          </a:p>
+          <a:p>
+            <a:pPr marL="342900" indent="-342900">
+              <a:buFont typeface="+mj-lt"/>
+              <a:buAutoNum type="arabicPeriod"/>
+            </a:pPr>
+            <a:r>
+              <a:rPr lang="en-US" sz="2400" dirty="0"/>
+              <a:t>Is there a difference between IPA’s and Ale’s?</a:t>
+            </a:r>
+          </a:p>
+          <a:p>
+            <a:pPr marL="342900" indent="-342900">
+              <a:buFont typeface="+mj-lt"/>
+              <a:buAutoNum type="arabicPeriod"/>
+            </a:pPr>
+            <a:r>
+              <a:rPr lang="en-US" sz="2400" dirty="0"/>
+              <a:t>Possible opportunities to grow the Budweiser brand.</a:t>
+            </a:r>
+          </a:p>
+        </p:txBody>
+      </p:sp>
+      <p:sp>
+        <p:nvSpPr>
+          <p:cNvPr id="4" name="Footer Placeholder 3">
+            <a:extLst>
+              <a:ext uri="{FF2B5EF4-FFF2-40B4-BE49-F238E27FC236}">
+                <a16:creationId xmlns:a16="http://schemas.microsoft.com/office/drawing/2014/main" id="{FA7780C6-0FB0-4075-9DE4-657D4DAD7905}"/>
+              </a:ext>
+            </a:extLst>
+          </p:cNvPr>
+          <p:cNvSpPr>
+            <a:spLocks noGrp="1"/>
+          </p:cNvSpPr>
+          <p:nvPr>
+            <p:ph type="ftr" sz="quarter" idx="11"/>
+          </p:nvPr>
+        </p:nvSpPr>
+        <p:spPr/>
+        <p:txBody>
+          <a:bodyPr/>
+          <a:lstStyle/>
+          <a:p>
+            <a:r>
+              <a:rPr lang="en-US" dirty="0"/>
+              <a:t>Ben Goodwin &amp; Justin Ehly, MS6306, Tuesday 630p</a:t>
+            </a:r>
+          </a:p>
+        </p:txBody>
+      </p:sp>
+    </p:spTree>
+    <p:extLst>
+      <p:ext uri="{BB962C8B-B14F-4D97-AF65-F5344CB8AC3E}">
+        <p14:creationId xmlns:p14="http://schemas.microsoft.com/office/powerpoint/2010/main" val="3103091832"/>
       </p:ext>
     </p:extLst>
   </p:cSld>
